--- a/Presentations/03 CSS Basics.pptx
+++ b/Presentations/03 CSS Basics.pptx
@@ -55,7 +55,7 @@
       <p:boldItalic r:id="rId41"/>
     </p:embeddedFont>
     <p:embeddedFont>
-      <p:font typeface="Montserrat" panose="020B0604020202020204" charset="-52"/>
+      <p:font typeface="Montserrat" panose="00000500000000000000" pitchFamily="2" charset="-52"/>
       <p:regular r:id="rId42"/>
       <p:bold r:id="rId43"/>
       <p:italic r:id="rId44"/>
@@ -291,6 +291,11 @@
       </a:defRPr>
     </a:lvl9pPr>
   </p:defaultTextStyle>
+  <p:extLst>
+    <p:ext uri="{EFAFB233-063F-42B5-8137-9DF3F51BA10A}">
+      <p15:sldGuideLst xmlns:p15="http://schemas.microsoft.com/office/powerpoint/2012/main"/>
+    </p:ext>
+  </p:extLst>
 </p:presentation>
 </file>
 
@@ -764,8 +769,8 @@
         </p:nvSpPr>
         <p:spPr>
           <a:xfrm>
-            <a:off x="381300" y="685800"/>
-            <a:ext cx="6096075" cy="3429000"/>
+            <a:off x="381000" y="685800"/>
+            <a:ext cx="6096000" cy="3429000"/>
           </a:xfrm>
           <a:custGeom>
             <a:avLst/>
@@ -12396,10 +12401,10 @@
               <a:buNone/>
             </a:pPr>
             <a:r>
-              <a:rPr lang="en-GB"/>
-              <a:t>Client Side Scripting</a:t>
+              <a:rPr lang="en-GB" dirty="0"/>
+              <a:t>JavaScript Programming</a:t>
             </a:r>
-            <a:endParaRPr/>
+            <a:endParaRPr dirty="0"/>
           </a:p>
         </p:txBody>
       </p:sp>
